--- a/docs/source/poster/PSI_22_v1.pptx
+++ b/docs/source/poster/PSI_22_v1.pptx
@@ -2585,7 +2585,7 @@
         <p:spPr>
           <a:xfrm>
             <a:off x="630720" y="11895840"/>
-            <a:ext cx="14470560" cy="8769600"/>
+            <a:ext cx="14470560" cy="8586720"/>
           </a:xfrm>
           <a:prstGeom prst="rect">
             <a:avLst/>
@@ -2615,7 +2615,25 @@
               <a:rPr b="0" lang="en-US" sz="5000" spc="-1" strike="noStrike">
                 <a:latin typeface="Arial"/>
               </a:rPr>
-              <a:t>Dataset Creation: Gather and Filter</a:t>
+              <a:t>Dataset Creation: </a:t>
+            </a:r>
+            <a:r>
+              <a:rPr b="1" lang="en-US" sz="5000" spc="-1" strike="noStrike">
+                <a:latin typeface="Arial"/>
+              </a:rPr>
+              <a:t>Gather</a:t>
+            </a:r>
+            <a:r>
+              <a:rPr b="0" lang="en-US" sz="5000" spc="-1" strike="noStrike">
+                <a:latin typeface="Arial"/>
+              </a:rPr>
+              <a:t> and </a:t>
+            </a:r>
+            <a:r>
+              <a:rPr b="1" lang="en-US" sz="5000" spc="-1" strike="noStrike">
+                <a:latin typeface="Arial"/>
+              </a:rPr>
+              <a:t>Filter</a:t>
             </a:r>
             <a:endParaRPr b="0" lang="en-US" sz="5000" spc="-1" strike="noStrike">
               <a:latin typeface="Arial"/>
@@ -2747,6 +2765,29 @@
               <a:rPr b="0" lang="en-US" sz="4000" spc="-1" strike="noStrike">
                 <a:latin typeface="Arial"/>
               </a:rPr>
+              <a:t>	</a:t>
+            </a:r>
+            <a:r>
+              <a:rPr b="0" lang="en-US" sz="4000" spc="-1" strike="noStrike">
+                <a:latin typeface="Arial"/>
+              </a:rPr>
+              <a:t>- List of MP and diagram showing elm timing</a:t>
+            </a:r>
+            <a:endParaRPr b="0" lang="en-US" sz="4000" spc="-1" strike="noStrike">
+              <a:latin typeface="Arial"/>
+            </a:endParaRPr>
+          </a:p>
+          <a:p>
+            <a:r>
+              <a:rPr b="0" lang="en-US" sz="4000" spc="-1" strike="noStrike">
+                <a:latin typeface="Arial"/>
+              </a:rPr>
+              <a:t>	</a:t>
+            </a:r>
+            <a:r>
+              <a:rPr b="0" lang="en-US" sz="4000" spc="-1" strike="noStrike">
+                <a:latin typeface="Arial"/>
+              </a:rPr>
               <a:t>- </a:t>
             </a:r>
             <a:r>
@@ -2759,7 +2800,7 @@
               <a:rPr b="0" lang="en-US" sz="4000" spc="-1" strike="noStrike">
                 <a:latin typeface="Arial"/>
               </a:rPr>
-              <a:t>: Profiles</a:t>
+              <a:t>: Profiles </a:t>
             </a:r>
             <a:endParaRPr b="0" lang="en-US" sz="4000" spc="-1" strike="noStrike">
               <a:latin typeface="Arial"/>
